--- a/source/images/source/RSD_workshop_intro.pptx
+++ b/source/images/source/RSD_workshop_intro.pptx
@@ -268,7 +268,7 @@
           <a:p>
             <a:fld id="{57387CC8-08C5-7742-9EBA-6299A8367D78}" type="datetimeFigureOut">
               <a:rPr lang="en-US" smtClean="0"/>
-              <a:t>7/24/22</a:t>
+              <a:t>10/24/22</a:t>
             </a:fld>
             <a:endParaRPr lang="en-US"/>
           </a:p>
@@ -466,7 +466,7 @@
           <a:p>
             <a:fld id="{57387CC8-08C5-7742-9EBA-6299A8367D78}" type="datetimeFigureOut">
               <a:rPr lang="en-US" smtClean="0"/>
-              <a:t>7/24/22</a:t>
+              <a:t>10/24/22</a:t>
             </a:fld>
             <a:endParaRPr lang="en-US"/>
           </a:p>
@@ -674,7 +674,7 @@
           <a:p>
             <a:fld id="{57387CC8-08C5-7742-9EBA-6299A8367D78}" type="datetimeFigureOut">
               <a:rPr lang="en-US" smtClean="0"/>
-              <a:t>7/24/22</a:t>
+              <a:t>10/24/22</a:t>
             </a:fld>
             <a:endParaRPr lang="en-US"/>
           </a:p>
@@ -872,7 +872,7 @@
           <a:p>
             <a:fld id="{57387CC8-08C5-7742-9EBA-6299A8367D78}" type="datetimeFigureOut">
               <a:rPr lang="en-US" smtClean="0"/>
-              <a:t>7/24/22</a:t>
+              <a:t>10/24/22</a:t>
             </a:fld>
             <a:endParaRPr lang="en-US"/>
           </a:p>
@@ -1147,7 +1147,7 @@
           <a:p>
             <a:fld id="{57387CC8-08C5-7742-9EBA-6299A8367D78}" type="datetimeFigureOut">
               <a:rPr lang="en-US" smtClean="0"/>
-              <a:t>7/24/22</a:t>
+              <a:t>10/24/22</a:t>
             </a:fld>
             <a:endParaRPr lang="en-US"/>
           </a:p>
@@ -1412,7 +1412,7 @@
           <a:p>
             <a:fld id="{57387CC8-08C5-7742-9EBA-6299A8367D78}" type="datetimeFigureOut">
               <a:rPr lang="en-US" smtClean="0"/>
-              <a:t>7/24/22</a:t>
+              <a:t>10/24/22</a:t>
             </a:fld>
             <a:endParaRPr lang="en-US"/>
           </a:p>
@@ -1824,7 +1824,7 @@
           <a:p>
             <a:fld id="{57387CC8-08C5-7742-9EBA-6299A8367D78}" type="datetimeFigureOut">
               <a:rPr lang="en-US" smtClean="0"/>
-              <a:t>7/24/22</a:t>
+              <a:t>10/24/22</a:t>
             </a:fld>
             <a:endParaRPr lang="en-US"/>
           </a:p>
@@ -1965,7 +1965,7 @@
           <a:p>
             <a:fld id="{57387CC8-08C5-7742-9EBA-6299A8367D78}" type="datetimeFigureOut">
               <a:rPr lang="en-US" smtClean="0"/>
-              <a:t>7/24/22</a:t>
+              <a:t>10/24/22</a:t>
             </a:fld>
             <a:endParaRPr lang="en-US"/>
           </a:p>
@@ -2078,7 +2078,7 @@
           <a:p>
             <a:fld id="{57387CC8-08C5-7742-9EBA-6299A8367D78}" type="datetimeFigureOut">
               <a:rPr lang="en-US" smtClean="0"/>
-              <a:t>7/24/22</a:t>
+              <a:t>10/24/22</a:t>
             </a:fld>
             <a:endParaRPr lang="en-US"/>
           </a:p>
@@ -2389,7 +2389,7 @@
           <a:p>
             <a:fld id="{57387CC8-08C5-7742-9EBA-6299A8367D78}" type="datetimeFigureOut">
               <a:rPr lang="en-US" smtClean="0"/>
-              <a:t>7/24/22</a:t>
+              <a:t>10/24/22</a:t>
             </a:fld>
             <a:endParaRPr lang="en-US"/>
           </a:p>
@@ -2677,7 +2677,7 @@
           <a:p>
             <a:fld id="{57387CC8-08C5-7742-9EBA-6299A8367D78}" type="datetimeFigureOut">
               <a:rPr lang="en-US" smtClean="0"/>
-              <a:t>7/24/22</a:t>
+              <a:t>10/24/22</a:t>
             </a:fld>
             <a:endParaRPr lang="en-US"/>
           </a:p>
@@ -2918,7 +2918,7 @@
           <a:p>
             <a:fld id="{57387CC8-08C5-7742-9EBA-6299A8367D78}" type="datetimeFigureOut">
               <a:rPr lang="en-US" smtClean="0"/>
-              <a:t>7/24/22</a:t>
+              <a:t>10/24/22</a:t>
             </a:fld>
             <a:endParaRPr lang="en-US"/>
           </a:p>
@@ -7994,57 +7994,6 @@
           </a:extLst>
         </p:spPr>
       </p:pic>
-      <p:sp>
-        <p:nvSpPr>
-          <p:cNvPr id="8" name="Rectangle 7">
-            <a:extLst>
-              <a:ext uri="{FF2B5EF4-FFF2-40B4-BE49-F238E27FC236}">
-                <a16:creationId xmlns:a16="http://schemas.microsoft.com/office/drawing/2014/main" id="{1D1252E6-EA09-B977-7342-195F3D0E760F}"/>
-              </a:ext>
-            </a:extLst>
-          </p:cNvPr>
-          <p:cNvSpPr/>
-          <p:nvPr/>
-        </p:nvSpPr>
-        <p:spPr>
-          <a:xfrm>
-            <a:off x="3439892" y="2005737"/>
-            <a:ext cx="850900" cy="3625256"/>
-          </a:xfrm>
-          <a:prstGeom prst="rect">
-            <a:avLst/>
-          </a:prstGeom>
-          <a:solidFill>
-            <a:srgbClr val="4472C4">
-              <a:alpha val="38824"/>
-            </a:srgbClr>
-          </a:solidFill>
-        </p:spPr>
-        <p:style>
-          <a:lnRef idx="2">
-            <a:schemeClr val="accent1">
-              <a:shade val="50000"/>
-            </a:schemeClr>
-          </a:lnRef>
-          <a:fillRef idx="1">
-            <a:schemeClr val="accent1"/>
-          </a:fillRef>
-          <a:effectRef idx="0">
-            <a:schemeClr val="accent1"/>
-          </a:effectRef>
-          <a:fontRef idx="minor">
-            <a:schemeClr val="lt1"/>
-          </a:fontRef>
-        </p:style>
-        <p:txBody>
-          <a:bodyPr rtlCol="0" anchor="ctr"/>
-          <a:lstStyle/>
-          <a:p>
-            <a:pPr algn="ctr"/>
-            <a:endParaRPr lang="en-US"/>
-          </a:p>
-        </p:txBody>
-      </p:sp>
       <p:grpSp>
         <p:nvGrpSpPr>
           <p:cNvPr id="14" name="Group 13">
@@ -8177,6 +8126,102 @@
           </p:spPr>
         </p:pic>
       </p:grpSp>
+      <p:pic>
+        <p:nvPicPr>
+          <p:cNvPr id="3" name="Picture 2" descr="Rucheng Diao | Biological Chemistry | Michigan Medicine | University of  Michigan">
+            <a:extLst>
+              <a:ext uri="{FF2B5EF4-FFF2-40B4-BE49-F238E27FC236}">
+                <a16:creationId xmlns:a16="http://schemas.microsoft.com/office/drawing/2014/main" id="{631F00FC-D2DE-94D1-D3BC-80A1E513922E}"/>
+              </a:ext>
+            </a:extLst>
+          </p:cNvPr>
+          <p:cNvPicPr>
+            <a:picLocks noChangeAspect="1" noChangeArrowheads="1"/>
+          </p:cNvPicPr>
+          <p:nvPr/>
+        </p:nvPicPr>
+        <p:blipFill rotWithShape="1">
+          <a:blip r:embed="rId8">
+            <a:extLst>
+              <a:ext uri="{28A0092B-C50C-407E-A947-70E740481C1C}">
+                <a14:useLocalDpi xmlns:a14="http://schemas.microsoft.com/office/drawing/2010/main" val="0"/>
+              </a:ext>
+            </a:extLst>
+          </a:blip>
+          <a:srcRect l="4339" t="2971" r="210" b="21972"/>
+          <a:stretch/>
+        </p:blipFill>
+        <p:spPr bwMode="auto">
+          <a:xfrm>
+            <a:off x="8059135" y="2346958"/>
+            <a:ext cx="1505497" cy="1775749"/>
+          </a:xfrm>
+          <a:prstGeom prst="rect">
+            <a:avLst/>
+          </a:prstGeom>
+          <a:noFill/>
+          <a:extLst>
+            <a:ext uri="{909E8E84-426E-40DD-AFC4-6F175D3DCCD1}">
+              <a14:hiddenFill xmlns:a14="http://schemas.microsoft.com/office/drawing/2010/main">
+                <a:solidFill>
+                  <a:srgbClr val="FFFFFF"/>
+                </a:solidFill>
+              </a14:hiddenFill>
+            </a:ext>
+          </a:extLst>
+        </p:spPr>
+      </p:pic>
+      <p:sp>
+        <p:nvSpPr>
+          <p:cNvPr id="8" name="Rectangle 7">
+            <a:extLst>
+              <a:ext uri="{FF2B5EF4-FFF2-40B4-BE49-F238E27FC236}">
+                <a16:creationId xmlns:a16="http://schemas.microsoft.com/office/drawing/2014/main" id="{1D1252E6-EA09-B977-7342-195F3D0E760F}"/>
+              </a:ext>
+            </a:extLst>
+          </p:cNvPr>
+          <p:cNvSpPr/>
+          <p:nvPr/>
+        </p:nvSpPr>
+        <p:spPr>
+          <a:xfrm>
+            <a:off x="3439892" y="2005737"/>
+            <a:ext cx="850900" cy="3625256"/>
+          </a:xfrm>
+          <a:prstGeom prst="rect">
+            <a:avLst/>
+          </a:prstGeom>
+          <a:solidFill>
+            <a:srgbClr val="4472C4">
+              <a:alpha val="38824"/>
+            </a:srgbClr>
+          </a:solidFill>
+        </p:spPr>
+        <p:style>
+          <a:lnRef idx="2">
+            <a:schemeClr val="accent1">
+              <a:shade val="50000"/>
+            </a:schemeClr>
+          </a:lnRef>
+          <a:fillRef idx="1">
+            <a:schemeClr val="accent1"/>
+          </a:fillRef>
+          <a:effectRef idx="0">
+            <a:schemeClr val="accent1"/>
+          </a:effectRef>
+          <a:fontRef idx="minor">
+            <a:schemeClr val="lt1"/>
+          </a:fontRef>
+        </p:style>
+        <p:txBody>
+          <a:bodyPr rtlCol="0" anchor="ctr"/>
+          <a:lstStyle/>
+          <a:p>
+            <a:pPr algn="ctr"/>
+            <a:endParaRPr lang="en-US"/>
+          </a:p>
+        </p:txBody>
+      </p:sp>
       <p:sp>
         <p:nvSpPr>
           <p:cNvPr id="9" name="Rectangle 8">
